--- a/SparkClass4.pptx
+++ b/SparkClass4.pptx
@@ -6,7 +6,8 @@
   </p:sldMasterIdLst>
   <p:sldIdLst>
     <p:sldId id="256" r:id="rId2"/>
-    <p:sldId id="257" r:id="rId3"/>
+    <p:sldId id="258" r:id="rId3"/>
+    <p:sldId id="257" r:id="rId4"/>
   </p:sldIdLst>
   <p:sldSz cx="12192000" cy="6858000"/>
   <p:notesSz cx="6858000" cy="9144000"/>
@@ -105,6 +106,11 @@
       </a:defRPr>
     </a:lvl9pPr>
   </p:defaultTextStyle>
+  <p:extLst>
+    <p:ext uri="{EFAFB233-063F-42B5-8137-9DF3F51BA10A}">
+      <p15:sldGuideLst xmlns:p15="http://schemas.microsoft.com/office/powerpoint/2012/main"/>
+    </p:ext>
+  </p:extLst>
 </p:presentation>
 </file>
 
@@ -287,7 +293,7 @@
           <a:p>
             <a:fld id="{1F0FA21E-DB45-475D-A17D-32C421068B5C}" type="datetimeFigureOut">
               <a:rPr lang="en-US" smtClean="0"/>
-              <a:t>2023-08-05</a:t>
+              <a:t>2023-08-17</a:t>
             </a:fld>
             <a:endParaRPr lang="en-US"/>
           </a:p>
@@ -455,7 +461,7 @@
           <a:p>
             <a:fld id="{1F0FA21E-DB45-475D-A17D-32C421068B5C}" type="datetimeFigureOut">
               <a:rPr lang="en-US" smtClean="0"/>
-              <a:t>2023-08-05</a:t>
+              <a:t>2023-08-17</a:t>
             </a:fld>
             <a:endParaRPr lang="en-US"/>
           </a:p>
@@ -633,7 +639,7 @@
           <a:p>
             <a:fld id="{1F0FA21E-DB45-475D-A17D-32C421068B5C}" type="datetimeFigureOut">
               <a:rPr lang="en-US" smtClean="0"/>
-              <a:t>2023-08-05</a:t>
+              <a:t>2023-08-17</a:t>
             </a:fld>
             <a:endParaRPr lang="en-US"/>
           </a:p>
@@ -801,7 +807,7 @@
           <a:p>
             <a:fld id="{1F0FA21E-DB45-475D-A17D-32C421068B5C}" type="datetimeFigureOut">
               <a:rPr lang="en-US" smtClean="0"/>
-              <a:t>2023-08-05</a:t>
+              <a:t>2023-08-17</a:t>
             </a:fld>
             <a:endParaRPr lang="en-US"/>
           </a:p>
@@ -1046,7 +1052,7 @@
           <a:p>
             <a:fld id="{1F0FA21E-DB45-475D-A17D-32C421068B5C}" type="datetimeFigureOut">
               <a:rPr lang="en-US" smtClean="0"/>
-              <a:t>2023-08-05</a:t>
+              <a:t>2023-08-17</a:t>
             </a:fld>
             <a:endParaRPr lang="en-US"/>
           </a:p>
@@ -1331,7 +1337,7 @@
           <a:p>
             <a:fld id="{1F0FA21E-DB45-475D-A17D-32C421068B5C}" type="datetimeFigureOut">
               <a:rPr lang="en-US" smtClean="0"/>
-              <a:t>2023-08-05</a:t>
+              <a:t>2023-08-17</a:t>
             </a:fld>
             <a:endParaRPr lang="en-US"/>
           </a:p>
@@ -1750,7 +1756,7 @@
           <a:p>
             <a:fld id="{1F0FA21E-DB45-475D-A17D-32C421068B5C}" type="datetimeFigureOut">
               <a:rPr lang="en-US" smtClean="0"/>
-              <a:t>2023-08-05</a:t>
+              <a:t>2023-08-17</a:t>
             </a:fld>
             <a:endParaRPr lang="en-US"/>
           </a:p>
@@ -1867,7 +1873,7 @@
           <a:p>
             <a:fld id="{1F0FA21E-DB45-475D-A17D-32C421068B5C}" type="datetimeFigureOut">
               <a:rPr lang="en-US" smtClean="0"/>
-              <a:t>2023-08-05</a:t>
+              <a:t>2023-08-17</a:t>
             </a:fld>
             <a:endParaRPr lang="en-US"/>
           </a:p>
@@ -1962,7 +1968,7 @@
           <a:p>
             <a:fld id="{1F0FA21E-DB45-475D-A17D-32C421068B5C}" type="datetimeFigureOut">
               <a:rPr lang="en-US" smtClean="0"/>
-              <a:t>2023-08-05</a:t>
+              <a:t>2023-08-17</a:t>
             </a:fld>
             <a:endParaRPr lang="en-US"/>
           </a:p>
@@ -2237,7 +2243,7 @@
           <a:p>
             <a:fld id="{1F0FA21E-DB45-475D-A17D-32C421068B5C}" type="datetimeFigureOut">
               <a:rPr lang="en-US" smtClean="0"/>
-              <a:t>2023-08-05</a:t>
+              <a:t>2023-08-17</a:t>
             </a:fld>
             <a:endParaRPr lang="en-US"/>
           </a:p>
@@ -2492,7 +2498,7 @@
           <a:p>
             <a:fld id="{1F0FA21E-DB45-475D-A17D-32C421068B5C}" type="datetimeFigureOut">
               <a:rPr lang="en-US" smtClean="0"/>
-              <a:t>2023-08-05</a:t>
+              <a:t>2023-08-17</a:t>
             </a:fld>
             <a:endParaRPr lang="en-US"/>
           </a:p>
@@ -2703,7 +2709,7 @@
           <a:p>
             <a:fld id="{1F0FA21E-DB45-475D-A17D-32C421068B5C}" type="datetimeFigureOut">
               <a:rPr lang="en-US" smtClean="0"/>
-              <a:t>2023-08-05</a:t>
+              <a:t>2023-08-17</a:t>
             </a:fld>
             <a:endParaRPr lang="en-US"/>
           </a:p>
@@ -3175,6 +3181,117 @@
           <p:cNvPr id="2" name="Title 1">
             <a:extLst>
               <a:ext uri="{FF2B5EF4-FFF2-40B4-BE49-F238E27FC236}">
+                <a16:creationId xmlns:a16="http://schemas.microsoft.com/office/drawing/2014/main" id="{6801C8CF-8DD2-FE98-5B99-80DA4DBD9E4B}"/>
+              </a:ext>
+            </a:extLst>
+          </p:cNvPr>
+          <p:cNvSpPr>
+            <a:spLocks noGrp="1"/>
+          </p:cNvSpPr>
+          <p:nvPr>
+            <p:ph type="title"/>
+          </p:nvPr>
+        </p:nvSpPr>
+        <p:spPr/>
+        <p:txBody>
+          <a:bodyPr/>
+          <a:lstStyle/>
+          <a:p>
+            <a:r>
+              <a:rPr lang="en-US" dirty="0">
+                <a:latin typeface="times new roman" panose="02020603050405020304" pitchFamily="18" charset="0"/>
+              </a:rPr>
+              <a:t>Why do we compete?</a:t>
+            </a:r>
+            <a:endParaRPr lang="en-US" dirty="0"/>
+          </a:p>
+        </p:txBody>
+      </p:sp>
+      <p:sp>
+        <p:nvSpPr>
+          <p:cNvPr id="3" name="Content Placeholder 2">
+            <a:extLst>
+              <a:ext uri="{FF2B5EF4-FFF2-40B4-BE49-F238E27FC236}">
+                <a16:creationId xmlns:a16="http://schemas.microsoft.com/office/drawing/2014/main" id="{624382E8-2042-B814-640C-11075D1C180F}"/>
+              </a:ext>
+            </a:extLst>
+          </p:cNvPr>
+          <p:cNvSpPr>
+            <a:spLocks noGrp="1"/>
+          </p:cNvSpPr>
+          <p:nvPr>
+            <p:ph idx="1"/>
+          </p:nvPr>
+        </p:nvSpPr>
+        <p:spPr/>
+        <p:txBody>
+          <a:bodyPr/>
+          <a:lstStyle/>
+          <a:p>
+            <a:r>
+              <a:rPr lang="en-US" dirty="0">
+                <a:effectLst/>
+                <a:latin typeface="times new roman" panose="02020603050405020304" pitchFamily="18" charset="0"/>
+              </a:rPr>
+              <a:t>What alternative social-economic models exist? </a:t>
+            </a:r>
+          </a:p>
+          <a:p>
+            <a:r>
+              <a:rPr lang="en-US" dirty="0">
+                <a:effectLst/>
+                <a:latin typeface="times new roman" panose="02020603050405020304" pitchFamily="18" charset="0"/>
+              </a:rPr>
+              <a:t>When, if ever, does competition make logical sense?  </a:t>
+            </a:r>
+          </a:p>
+          <a:p>
+            <a:r>
+              <a:rPr lang="en-US" dirty="0">
+                <a:effectLst/>
+                <a:latin typeface="times new roman" panose="02020603050405020304" pitchFamily="18" charset="0"/>
+              </a:rPr>
+              <a:t>What are the differences between productive collaboration and illegal “anticompetitive” business collusion?  </a:t>
+            </a:r>
+            <a:endParaRPr lang="en-US" dirty="0"/>
+          </a:p>
+        </p:txBody>
+      </p:sp>
+    </p:spTree>
+    <p:extLst>
+      <p:ext uri="{BB962C8B-B14F-4D97-AF65-F5344CB8AC3E}">
+        <p14:creationId xmlns:p14="http://schemas.microsoft.com/office/powerpoint/2010/main" val="2057337627"/>
+      </p:ext>
+    </p:extLst>
+  </p:cSld>
+  <p:clrMapOvr>
+    <a:masterClrMapping/>
+  </p:clrMapOvr>
+</p:sld>
+</file>
+
+<file path=ppt/slides/slide3.xml><?xml version="1.0" encoding="utf-8"?>
+<p:sld xmlns:a="http://schemas.openxmlformats.org/drawingml/2006/main" xmlns:r="http://schemas.openxmlformats.org/officeDocument/2006/relationships" xmlns:p="http://schemas.openxmlformats.org/presentationml/2006/main">
+  <p:cSld>
+    <p:spTree>
+      <p:nvGrpSpPr>
+        <p:cNvPr id="1" name=""/>
+        <p:cNvGrpSpPr/>
+        <p:nvPr/>
+      </p:nvGrpSpPr>
+      <p:grpSpPr>
+        <a:xfrm>
+          <a:off x="0" y="0"/>
+          <a:ext cx="0" cy="0"/>
+          <a:chOff x="0" y="0"/>
+          <a:chExt cx="0" cy="0"/>
+        </a:xfrm>
+      </p:grpSpPr>
+      <p:sp>
+        <p:nvSpPr>
+          <p:cNvPr id="2" name="Title 1">
+            <a:extLst>
+              <a:ext uri="{FF2B5EF4-FFF2-40B4-BE49-F238E27FC236}">
                 <a16:creationId xmlns:a16="http://schemas.microsoft.com/office/drawing/2014/main" id="{2411D8C9-C6CA-9A62-DD8F-DB5A2ECFF3D7}"/>
               </a:ext>
             </a:extLst>

--- a/SparkClass4.pptx
+++ b/SparkClass4.pptx
@@ -7,7 +7,10 @@
   <p:sldIdLst>
     <p:sldId id="256" r:id="rId2"/>
     <p:sldId id="258" r:id="rId3"/>
-    <p:sldId id="257" r:id="rId4"/>
+    <p:sldId id="259" r:id="rId4"/>
+    <p:sldId id="260" r:id="rId5"/>
+    <p:sldId id="261" r:id="rId6"/>
+    <p:sldId id="257" r:id="rId7"/>
   </p:sldIdLst>
   <p:sldSz cx="12192000" cy="6858000"/>
   <p:notesSz cx="6858000" cy="9144000"/>
@@ -293,7 +296,7 @@
           <a:p>
             <a:fld id="{1F0FA21E-DB45-475D-A17D-32C421068B5C}" type="datetimeFigureOut">
               <a:rPr lang="en-US" smtClean="0"/>
-              <a:t>2023-08-17</a:t>
+              <a:t>2023-09-03</a:t>
             </a:fld>
             <a:endParaRPr lang="en-US"/>
           </a:p>
@@ -461,7 +464,7 @@
           <a:p>
             <a:fld id="{1F0FA21E-DB45-475D-A17D-32C421068B5C}" type="datetimeFigureOut">
               <a:rPr lang="en-US" smtClean="0"/>
-              <a:t>2023-08-17</a:t>
+              <a:t>2023-09-03</a:t>
             </a:fld>
             <a:endParaRPr lang="en-US"/>
           </a:p>
@@ -639,7 +642,7 @@
           <a:p>
             <a:fld id="{1F0FA21E-DB45-475D-A17D-32C421068B5C}" type="datetimeFigureOut">
               <a:rPr lang="en-US" smtClean="0"/>
-              <a:t>2023-08-17</a:t>
+              <a:t>2023-09-03</a:t>
             </a:fld>
             <a:endParaRPr lang="en-US"/>
           </a:p>
@@ -807,7 +810,7 @@
           <a:p>
             <a:fld id="{1F0FA21E-DB45-475D-A17D-32C421068B5C}" type="datetimeFigureOut">
               <a:rPr lang="en-US" smtClean="0"/>
-              <a:t>2023-08-17</a:t>
+              <a:t>2023-09-03</a:t>
             </a:fld>
             <a:endParaRPr lang="en-US"/>
           </a:p>
@@ -1052,7 +1055,7 @@
           <a:p>
             <a:fld id="{1F0FA21E-DB45-475D-A17D-32C421068B5C}" type="datetimeFigureOut">
               <a:rPr lang="en-US" smtClean="0"/>
-              <a:t>2023-08-17</a:t>
+              <a:t>2023-09-03</a:t>
             </a:fld>
             <a:endParaRPr lang="en-US"/>
           </a:p>
@@ -1337,7 +1340,7 @@
           <a:p>
             <a:fld id="{1F0FA21E-DB45-475D-A17D-32C421068B5C}" type="datetimeFigureOut">
               <a:rPr lang="en-US" smtClean="0"/>
-              <a:t>2023-08-17</a:t>
+              <a:t>2023-09-03</a:t>
             </a:fld>
             <a:endParaRPr lang="en-US"/>
           </a:p>
@@ -1756,7 +1759,7 @@
           <a:p>
             <a:fld id="{1F0FA21E-DB45-475D-A17D-32C421068B5C}" type="datetimeFigureOut">
               <a:rPr lang="en-US" smtClean="0"/>
-              <a:t>2023-08-17</a:t>
+              <a:t>2023-09-03</a:t>
             </a:fld>
             <a:endParaRPr lang="en-US"/>
           </a:p>
@@ -1873,7 +1876,7 @@
           <a:p>
             <a:fld id="{1F0FA21E-DB45-475D-A17D-32C421068B5C}" type="datetimeFigureOut">
               <a:rPr lang="en-US" smtClean="0"/>
-              <a:t>2023-08-17</a:t>
+              <a:t>2023-09-03</a:t>
             </a:fld>
             <a:endParaRPr lang="en-US"/>
           </a:p>
@@ -1968,7 +1971,7 @@
           <a:p>
             <a:fld id="{1F0FA21E-DB45-475D-A17D-32C421068B5C}" type="datetimeFigureOut">
               <a:rPr lang="en-US" smtClean="0"/>
-              <a:t>2023-08-17</a:t>
+              <a:t>2023-09-03</a:t>
             </a:fld>
             <a:endParaRPr lang="en-US"/>
           </a:p>
@@ -2243,7 +2246,7 @@
           <a:p>
             <a:fld id="{1F0FA21E-DB45-475D-A17D-32C421068B5C}" type="datetimeFigureOut">
               <a:rPr lang="en-US" smtClean="0"/>
-              <a:t>2023-08-17</a:t>
+              <a:t>2023-09-03</a:t>
             </a:fld>
             <a:endParaRPr lang="en-US"/>
           </a:p>
@@ -2498,7 +2501,7 @@
           <a:p>
             <a:fld id="{1F0FA21E-DB45-475D-A17D-32C421068B5C}" type="datetimeFigureOut">
               <a:rPr lang="en-US" smtClean="0"/>
-              <a:t>2023-08-17</a:t>
+              <a:t>2023-09-03</a:t>
             </a:fld>
             <a:endParaRPr lang="en-US"/>
           </a:p>
@@ -2709,7 +2712,7 @@
           <a:p>
             <a:fld id="{1F0FA21E-DB45-475D-A17D-32C421068B5C}" type="datetimeFigureOut">
               <a:rPr lang="en-US" smtClean="0"/>
-              <a:t>2023-08-17</a:t>
+              <a:t>2023-09-03</a:t>
             </a:fld>
             <a:endParaRPr lang="en-US"/>
           </a:p>
@@ -3140,8 +3143,12 @@
           <a:lstStyle/>
           <a:p>
             <a:r>
+              <a:rPr lang="en-US"/>
+              <a:t>Aaron </a:t>
+            </a:r>
+            <a:r>
               <a:rPr lang="en-US" dirty="0"/>
-              <a:t>By: Aaron E-J</a:t>
+              <a:t>E-J</a:t>
             </a:r>
           </a:p>
         </p:txBody>
@@ -3225,7 +3232,9 @@
         </p:nvSpPr>
         <p:spPr/>
         <p:txBody>
-          <a:bodyPr/>
+          <a:bodyPr>
+            <a:normAutofit fontScale="92500" lnSpcReduction="10000"/>
+          </a:bodyPr>
           <a:lstStyle/>
           <a:p>
             <a:r>
@@ -3237,13 +3246,39 @@
             </a:r>
           </a:p>
           <a:p>
+            <a:pPr lvl="1"/>
+            <a:r>
+              <a:rPr lang="en-US" dirty="0">
+                <a:latin typeface="times new roman" panose="02020603050405020304" pitchFamily="18" charset="0"/>
+              </a:rPr>
+              <a:t>Worker/Consumer cooperatives</a:t>
+            </a:r>
+            <a:endParaRPr lang="en-US" dirty="0">
+              <a:effectLst/>
+              <a:latin typeface="times new roman" panose="02020603050405020304" pitchFamily="18" charset="0"/>
+            </a:endParaRPr>
+          </a:p>
+          <a:p>
             <a:r>
               <a:rPr lang="en-US" dirty="0">
                 <a:effectLst/>
                 <a:latin typeface="times new roman" panose="02020603050405020304" pitchFamily="18" charset="0"/>
               </a:rPr>
-              <a:t>When, if ever, does competition make logical sense?  </a:t>
-            </a:r>
+              <a:t>When, if ever, does competition make logical sense? </a:t>
+            </a:r>
+          </a:p>
+          <a:p>
+            <a:pPr lvl="1"/>
+            <a:r>
+              <a:rPr lang="en-US" dirty="0">
+                <a:latin typeface="times new roman" panose="02020603050405020304" pitchFamily="18" charset="0"/>
+              </a:rPr>
+              <a:t>Competing against the unknown?</a:t>
+            </a:r>
+            <a:endParaRPr lang="en-US" dirty="0">
+              <a:effectLst/>
+              <a:latin typeface="times new roman" panose="02020603050405020304" pitchFamily="18" charset="0"/>
+            </a:endParaRPr>
           </a:p>
           <a:p>
             <a:r>
@@ -3251,9 +3286,62 @@
                 <a:effectLst/>
                 <a:latin typeface="times new roman" panose="02020603050405020304" pitchFamily="18" charset="0"/>
               </a:rPr>
-              <a:t>What are the differences between productive collaboration and illegal “anticompetitive” business collusion?  </a:t>
-            </a:r>
-            <a:endParaRPr lang="en-US" dirty="0"/>
+              <a:t>What are the differences between productive collaboration and illegal “anticompetitive” business collusion? </a:t>
+            </a:r>
+          </a:p>
+          <a:p>
+            <a:pPr marL="0" indent="0">
+              <a:buNone/>
+            </a:pPr>
+            <a:endParaRPr lang="en-US" dirty="0">
+              <a:effectLst/>
+              <a:latin typeface="times new roman" panose="02020603050405020304" pitchFamily="18" charset="0"/>
+            </a:endParaRPr>
+          </a:p>
+          <a:p>
+            <a:pPr marL="0" indent="0" algn="ctr">
+              <a:buNone/>
+            </a:pPr>
+            <a:r>
+              <a:rPr lang="en-US" sz="4300" i="1" dirty="0">
+                <a:latin typeface="times new roman" panose="02020603050405020304" pitchFamily="18" charset="0"/>
+              </a:rPr>
+              <a:t>Isn’t a </a:t>
+            </a:r>
+            <a:r>
+              <a:rPr lang="en-US" sz="4300" b="1" i="1" dirty="0">
+                <a:latin typeface="times new roman" panose="02020603050405020304" pitchFamily="18" charset="0"/>
+              </a:rPr>
+              <a:t>monopoly </a:t>
+            </a:r>
+            <a:r>
+              <a:rPr lang="en-US" sz="4300" i="1" dirty="0">
+                <a:latin typeface="times new roman" panose="02020603050405020304" pitchFamily="18" charset="0"/>
+              </a:rPr>
+              <a:t>just the </a:t>
+            </a:r>
+            <a:r>
+              <a:rPr lang="en-US" sz="4300" b="1" i="1" dirty="0">
+                <a:latin typeface="times new roman" panose="02020603050405020304" pitchFamily="18" charset="0"/>
+              </a:rPr>
+              <a:t>end result </a:t>
+            </a:r>
+            <a:r>
+              <a:rPr lang="en-US" sz="4300" i="1" dirty="0">
+                <a:latin typeface="times new roman" panose="02020603050405020304" pitchFamily="18" charset="0"/>
+              </a:rPr>
+              <a:t>of</a:t>
+            </a:r>
+            <a:r>
+              <a:rPr lang="en-US" sz="4300" b="1" i="1" dirty="0">
+                <a:latin typeface="times new roman" panose="02020603050405020304" pitchFamily="18" charset="0"/>
+              </a:rPr>
+              <a:t> successful competition?</a:t>
+            </a:r>
+            <a:endParaRPr lang="en-US" sz="4300" b="1" i="1" dirty="0">
+              <a:effectLst/>
+              <a:latin typeface="times new roman" panose="02020603050405020304" pitchFamily="18" charset="0"/>
+            </a:endParaRPr>
           </a:p>
         </p:txBody>
       </p:sp>
@@ -3292,6 +3380,459 @@
           <p:cNvPr id="2" name="Title 1">
             <a:extLst>
               <a:ext uri="{FF2B5EF4-FFF2-40B4-BE49-F238E27FC236}">
+                <a16:creationId xmlns:a16="http://schemas.microsoft.com/office/drawing/2014/main" id="{F2B66762-C208-3A44-0214-DB8F4B795B72}"/>
+              </a:ext>
+            </a:extLst>
+          </p:cNvPr>
+          <p:cNvSpPr>
+            <a:spLocks noGrp="1"/>
+          </p:cNvSpPr>
+          <p:nvPr>
+            <p:ph type="title"/>
+          </p:nvPr>
+        </p:nvSpPr>
+        <p:spPr/>
+        <p:txBody>
+          <a:bodyPr>
+            <a:normAutofit fontScale="90000"/>
+          </a:bodyPr>
+          <a:lstStyle/>
+          <a:p>
+            <a:r>
+              <a:rPr lang="en-US" dirty="0"/>
+              <a:t>The US Federal Trade Commission's Stance on Competition</a:t>
+            </a:r>
+          </a:p>
+        </p:txBody>
+      </p:sp>
+      <p:sp>
+        <p:nvSpPr>
+          <p:cNvPr id="3" name="Content Placeholder 2">
+            <a:extLst>
+              <a:ext uri="{FF2B5EF4-FFF2-40B4-BE49-F238E27FC236}">
+                <a16:creationId xmlns:a16="http://schemas.microsoft.com/office/drawing/2014/main" id="{D131C1D0-A955-D77C-44FE-EDECAA81B18B}"/>
+              </a:ext>
+            </a:extLst>
+          </p:cNvPr>
+          <p:cNvSpPr>
+            <a:spLocks noGrp="1"/>
+          </p:cNvSpPr>
+          <p:nvPr>
+            <p:ph idx="1"/>
+          </p:nvPr>
+        </p:nvSpPr>
+        <p:spPr>
+          <a:xfrm>
+            <a:off x="609600" y="1600201"/>
+            <a:ext cx="10972800" cy="1981199"/>
+          </a:xfrm>
+        </p:spPr>
+        <p:txBody>
+          <a:bodyPr>
+            <a:normAutofit lnSpcReduction="10000"/>
+          </a:bodyPr>
+          <a:lstStyle/>
+          <a:p>
+            <a:r>
+              <a:rPr lang="en-US" dirty="0"/>
+              <a:t>“Aggressive competition among sellers in an open marketplace gives consumers — both individuals and businesses — the benefits of lower prices, higher quality products and services, more choices, and greater innovation.”</a:t>
+            </a:r>
+          </a:p>
+        </p:txBody>
+      </p:sp>
+      <p:sp>
+        <p:nvSpPr>
+          <p:cNvPr id="5" name="TextBox 4">
+            <a:extLst>
+              <a:ext uri="{FF2B5EF4-FFF2-40B4-BE49-F238E27FC236}">
+                <a16:creationId xmlns:a16="http://schemas.microsoft.com/office/drawing/2014/main" id="{D51FEA7F-AB8F-0C59-BFDB-0417093280B1}"/>
+              </a:ext>
+            </a:extLst>
+          </p:cNvPr>
+          <p:cNvSpPr txBox="1"/>
+          <p:nvPr/>
+        </p:nvSpPr>
+        <p:spPr>
+          <a:xfrm>
+            <a:off x="2252663" y="4156502"/>
+            <a:ext cx="7686675" cy="1323439"/>
+          </a:xfrm>
+          <a:prstGeom prst="rect">
+            <a:avLst/>
+          </a:prstGeom>
+          <a:noFill/>
+        </p:spPr>
+        <p:txBody>
+          <a:bodyPr wrap="square">
+            <a:spAutoFit/>
+          </a:bodyPr>
+          <a:lstStyle/>
+          <a:p>
+            <a:pPr marR="0" lvl="0" algn="ctr" defTabSz="914400" rtl="0" eaLnBrk="1" fontAlgn="auto" latinLnBrk="0" hangingPunct="1">
+              <a:lnSpc>
+                <a:spcPct val="100000"/>
+              </a:lnSpc>
+              <a:spcBef>
+                <a:spcPct val="20000"/>
+              </a:spcBef>
+              <a:spcAft>
+                <a:spcPts val="0"/>
+              </a:spcAft>
+              <a:buClrTx/>
+              <a:buSzTx/>
+              <a:tabLst/>
+              <a:defRPr/>
+            </a:pPr>
+            <a:r>
+              <a:rPr kumimoji="0" lang="en-US" sz="8000" b="1" i="0" u="none" strike="noStrike" kern="1200" cap="none" spc="0" normalizeH="0" baseline="0" noProof="0" dirty="0">
+                <a:ln>
+                  <a:noFill/>
+                </a:ln>
+                <a:solidFill>
+                  <a:prstClr val="black"/>
+                </a:solidFill>
+                <a:effectLst>
+                  <a:outerShdw blurRad="50800" dist="38100" dir="2700000" algn="tl" rotWithShape="0">
+                    <a:prstClr val="black">
+                      <a:alpha val="40000"/>
+                    </a:prstClr>
+                  </a:outerShdw>
+                </a:effectLst>
+                <a:uLnTx/>
+                <a:uFillTx/>
+                <a:latin typeface="Cooper Black" panose="0208090404030B020404" pitchFamily="18" charset="0"/>
+                <a:ea typeface="+mn-ea"/>
+                <a:cs typeface="JasmineUPC" panose="020B0502040204020203" pitchFamily="18" charset="-34"/>
+              </a:rPr>
+              <a:t>Do you agree?</a:t>
+            </a:r>
+          </a:p>
+        </p:txBody>
+      </p:sp>
+    </p:spTree>
+    <p:extLst>
+      <p:ext uri="{BB962C8B-B14F-4D97-AF65-F5344CB8AC3E}">
+        <p14:creationId xmlns:p14="http://schemas.microsoft.com/office/powerpoint/2010/main" val="379203558"/>
+      </p:ext>
+    </p:extLst>
+  </p:cSld>
+  <p:clrMapOvr>
+    <a:masterClrMapping/>
+  </p:clrMapOvr>
+</p:sld>
+</file>
+
+<file path=ppt/slides/slide4.xml><?xml version="1.0" encoding="utf-8"?>
+<p:sld xmlns:a="http://schemas.openxmlformats.org/drawingml/2006/main" xmlns:r="http://schemas.openxmlformats.org/officeDocument/2006/relationships" xmlns:p="http://schemas.openxmlformats.org/presentationml/2006/main">
+  <p:cSld>
+    <p:spTree>
+      <p:nvGrpSpPr>
+        <p:cNvPr id="1" name=""/>
+        <p:cNvGrpSpPr/>
+        <p:nvPr/>
+      </p:nvGrpSpPr>
+      <p:grpSpPr>
+        <a:xfrm>
+          <a:off x="0" y="0"/>
+          <a:ext cx="0" cy="0"/>
+          <a:chOff x="0" y="0"/>
+          <a:chExt cx="0" cy="0"/>
+        </a:xfrm>
+      </p:grpSpPr>
+      <p:sp>
+        <p:nvSpPr>
+          <p:cNvPr id="2" name="Title 1">
+            <a:extLst>
+              <a:ext uri="{FF2B5EF4-FFF2-40B4-BE49-F238E27FC236}">
+                <a16:creationId xmlns:a16="http://schemas.microsoft.com/office/drawing/2014/main" id="{7447E689-A8B1-78F0-4756-B0ED0E73E57B}"/>
+              </a:ext>
+            </a:extLst>
+          </p:cNvPr>
+          <p:cNvSpPr>
+            <a:spLocks noGrp="1"/>
+          </p:cNvSpPr>
+          <p:nvPr>
+            <p:ph type="title"/>
+          </p:nvPr>
+        </p:nvSpPr>
+        <p:spPr>
+          <a:xfrm>
+            <a:off x="609600" y="122238"/>
+            <a:ext cx="10972800" cy="1143000"/>
+          </a:xfrm>
+        </p:spPr>
+        <p:txBody>
+          <a:bodyPr/>
+          <a:lstStyle/>
+          <a:p>
+            <a:r>
+              <a:rPr lang="en-US" b="1" dirty="0"/>
+              <a:t>Scenario 1</a:t>
+            </a:r>
+          </a:p>
+        </p:txBody>
+      </p:sp>
+      <p:sp>
+        <p:nvSpPr>
+          <p:cNvPr id="3" name="Content Placeholder 2">
+            <a:extLst>
+              <a:ext uri="{FF2B5EF4-FFF2-40B4-BE49-F238E27FC236}">
+                <a16:creationId xmlns:a16="http://schemas.microsoft.com/office/drawing/2014/main" id="{1ECC8878-143F-74C5-522B-63099BE07E15}"/>
+              </a:ext>
+            </a:extLst>
+          </p:cNvPr>
+          <p:cNvSpPr>
+            <a:spLocks noGrp="1"/>
+          </p:cNvSpPr>
+          <p:nvPr>
+            <p:ph idx="1"/>
+          </p:nvPr>
+        </p:nvSpPr>
+        <p:spPr>
+          <a:xfrm>
+            <a:off x="609600" y="1162051"/>
+            <a:ext cx="10972800" cy="4525963"/>
+          </a:xfrm>
+        </p:spPr>
+        <p:txBody>
+          <a:bodyPr/>
+          <a:lstStyle/>
+          <a:p>
+            <a:pPr marL="0" indent="0" algn="ctr">
+              <a:buNone/>
+            </a:pPr>
+            <a:r>
+              <a:rPr lang="en-US" dirty="0"/>
+              <a:t>There are a group of students who have been holding been running informal Role Playing Game nights and it seems to have caught people’s interest.  The group has decided it wants to establish a student group so it can find further funding. However, there is disagreement as to how formal leadership of the group should be set up.  The original group of people want to be the group leaders that makes decisions and then everyone else just be members.  Some newcomers want the group to be more informal and run by the consensus of everyone involved.</a:t>
+            </a:r>
+          </a:p>
+        </p:txBody>
+      </p:sp>
+      <p:sp>
+        <p:nvSpPr>
+          <p:cNvPr id="4" name="TextBox 3">
+            <a:extLst>
+              <a:ext uri="{FF2B5EF4-FFF2-40B4-BE49-F238E27FC236}">
+                <a16:creationId xmlns:a16="http://schemas.microsoft.com/office/drawing/2014/main" id="{B3267852-8885-6D00-F3FE-5F3F06EA5F00}"/>
+              </a:ext>
+            </a:extLst>
+          </p:cNvPr>
+          <p:cNvSpPr txBox="1"/>
+          <p:nvPr/>
+        </p:nvSpPr>
+        <p:spPr>
+          <a:xfrm>
+            <a:off x="676375" y="5695949"/>
+            <a:ext cx="10839250" cy="769441"/>
+          </a:xfrm>
+          <a:prstGeom prst="rect">
+            <a:avLst/>
+          </a:prstGeom>
+          <a:noFill/>
+          <a:effectLst>
+            <a:outerShdw blurRad="50800" dist="38100" dir="2700000" algn="tl" rotWithShape="0">
+              <a:prstClr val="black">
+                <a:alpha val="40000"/>
+              </a:prstClr>
+            </a:outerShdw>
+          </a:effectLst>
+        </p:spPr>
+        <p:txBody>
+          <a:bodyPr wrap="none" rtlCol="0">
+            <a:spAutoFit/>
+          </a:bodyPr>
+          <a:lstStyle/>
+          <a:p>
+            <a:pPr algn="ctr"/>
+            <a:r>
+              <a:rPr lang="en-US" sz="4400" b="1" dirty="0">
+                <a:solidFill>
+                  <a:srgbClr val="990033"/>
+                </a:solidFill>
+              </a:rPr>
+              <a:t>Discuss what you think the group should do </a:t>
+            </a:r>
+          </a:p>
+        </p:txBody>
+      </p:sp>
+    </p:spTree>
+    <p:extLst>
+      <p:ext uri="{BB962C8B-B14F-4D97-AF65-F5344CB8AC3E}">
+        <p14:creationId xmlns:p14="http://schemas.microsoft.com/office/powerpoint/2010/main" val="917578400"/>
+      </p:ext>
+    </p:extLst>
+  </p:cSld>
+  <p:clrMapOvr>
+    <a:masterClrMapping/>
+  </p:clrMapOvr>
+</p:sld>
+</file>
+
+<file path=ppt/slides/slide5.xml><?xml version="1.0" encoding="utf-8"?>
+<p:sld xmlns:a="http://schemas.openxmlformats.org/drawingml/2006/main" xmlns:r="http://schemas.openxmlformats.org/officeDocument/2006/relationships" xmlns:p="http://schemas.openxmlformats.org/presentationml/2006/main">
+  <p:cSld>
+    <p:spTree>
+      <p:nvGrpSpPr>
+        <p:cNvPr id="1" name=""/>
+        <p:cNvGrpSpPr/>
+        <p:nvPr/>
+      </p:nvGrpSpPr>
+      <p:grpSpPr>
+        <a:xfrm>
+          <a:off x="0" y="0"/>
+          <a:ext cx="0" cy="0"/>
+          <a:chOff x="0" y="0"/>
+          <a:chExt cx="0" cy="0"/>
+        </a:xfrm>
+      </p:grpSpPr>
+      <p:sp>
+        <p:nvSpPr>
+          <p:cNvPr id="2" name="Title 1">
+            <a:extLst>
+              <a:ext uri="{FF2B5EF4-FFF2-40B4-BE49-F238E27FC236}">
+                <a16:creationId xmlns:a16="http://schemas.microsoft.com/office/drawing/2014/main" id="{7447E689-A8B1-78F0-4756-B0ED0E73E57B}"/>
+              </a:ext>
+            </a:extLst>
+          </p:cNvPr>
+          <p:cNvSpPr>
+            <a:spLocks noGrp="1"/>
+          </p:cNvSpPr>
+          <p:nvPr>
+            <p:ph type="title"/>
+          </p:nvPr>
+        </p:nvSpPr>
+        <p:spPr>
+          <a:xfrm>
+            <a:off x="609600" y="122238"/>
+            <a:ext cx="10972800" cy="1143000"/>
+          </a:xfrm>
+        </p:spPr>
+        <p:txBody>
+          <a:bodyPr/>
+          <a:lstStyle/>
+          <a:p>
+            <a:r>
+              <a:rPr lang="en-US" b="1" dirty="0"/>
+              <a:t>Scenario 2</a:t>
+            </a:r>
+          </a:p>
+        </p:txBody>
+      </p:sp>
+      <p:sp>
+        <p:nvSpPr>
+          <p:cNvPr id="3" name="Content Placeholder 2">
+            <a:extLst>
+              <a:ext uri="{FF2B5EF4-FFF2-40B4-BE49-F238E27FC236}">
+                <a16:creationId xmlns:a16="http://schemas.microsoft.com/office/drawing/2014/main" id="{1ECC8878-143F-74C5-522B-63099BE07E15}"/>
+              </a:ext>
+            </a:extLst>
+          </p:cNvPr>
+          <p:cNvSpPr>
+            <a:spLocks noGrp="1"/>
+          </p:cNvSpPr>
+          <p:nvPr>
+            <p:ph idx="1"/>
+          </p:nvPr>
+        </p:nvSpPr>
+        <p:spPr>
+          <a:xfrm>
+            <a:off x="609600" y="1162051"/>
+            <a:ext cx="10972800" cy="4525963"/>
+          </a:xfrm>
+        </p:spPr>
+        <p:txBody>
+          <a:bodyPr/>
+          <a:lstStyle/>
+          <a:p>
+            <a:pPr marL="0" indent="0" algn="ctr">
+              <a:buNone/>
+            </a:pPr>
+            <a:endParaRPr lang="en-US" dirty="0"/>
+          </a:p>
+        </p:txBody>
+      </p:sp>
+      <p:sp>
+        <p:nvSpPr>
+          <p:cNvPr id="4" name="TextBox 3">
+            <a:extLst>
+              <a:ext uri="{FF2B5EF4-FFF2-40B4-BE49-F238E27FC236}">
+                <a16:creationId xmlns:a16="http://schemas.microsoft.com/office/drawing/2014/main" id="{B3267852-8885-6D00-F3FE-5F3F06EA5F00}"/>
+              </a:ext>
+            </a:extLst>
+          </p:cNvPr>
+          <p:cNvSpPr txBox="1"/>
+          <p:nvPr/>
+        </p:nvSpPr>
+        <p:spPr>
+          <a:xfrm>
+            <a:off x="676375" y="5695949"/>
+            <a:ext cx="10839250" cy="769441"/>
+          </a:xfrm>
+          <a:prstGeom prst="rect">
+            <a:avLst/>
+          </a:prstGeom>
+          <a:noFill/>
+          <a:effectLst>
+            <a:outerShdw blurRad="50800" dist="38100" dir="2700000" algn="tl" rotWithShape="0">
+              <a:prstClr val="black">
+                <a:alpha val="40000"/>
+              </a:prstClr>
+            </a:outerShdw>
+          </a:effectLst>
+        </p:spPr>
+        <p:txBody>
+          <a:bodyPr wrap="none" rtlCol="0">
+            <a:spAutoFit/>
+          </a:bodyPr>
+          <a:lstStyle/>
+          <a:p>
+            <a:pPr algn="ctr"/>
+            <a:r>
+              <a:rPr lang="en-US" sz="4400" b="1" dirty="0">
+                <a:solidFill>
+                  <a:srgbClr val="990033"/>
+                </a:solidFill>
+              </a:rPr>
+              <a:t>Discuss what you think the group should do </a:t>
+            </a:r>
+          </a:p>
+        </p:txBody>
+      </p:sp>
+    </p:spTree>
+    <p:extLst>
+      <p:ext uri="{BB962C8B-B14F-4D97-AF65-F5344CB8AC3E}">
+        <p14:creationId xmlns:p14="http://schemas.microsoft.com/office/powerpoint/2010/main" val="4160282188"/>
+      </p:ext>
+    </p:extLst>
+  </p:cSld>
+  <p:clrMapOvr>
+    <a:masterClrMapping/>
+  </p:clrMapOvr>
+</p:sld>
+</file>
+
+<file path=ppt/slides/slide6.xml><?xml version="1.0" encoding="utf-8"?>
+<p:sld xmlns:a="http://schemas.openxmlformats.org/drawingml/2006/main" xmlns:r="http://schemas.openxmlformats.org/officeDocument/2006/relationships" xmlns:p="http://schemas.openxmlformats.org/presentationml/2006/main">
+  <p:cSld>
+    <p:spTree>
+      <p:nvGrpSpPr>
+        <p:cNvPr id="1" name=""/>
+        <p:cNvGrpSpPr/>
+        <p:nvPr/>
+      </p:nvGrpSpPr>
+      <p:grpSpPr>
+        <a:xfrm>
+          <a:off x="0" y="0"/>
+          <a:ext cx="0" cy="0"/>
+          <a:chOff x="0" y="0"/>
+          <a:chExt cx="0" cy="0"/>
+        </a:xfrm>
+      </p:grpSpPr>
+      <p:sp>
+        <p:nvSpPr>
+          <p:cNvPr id="2" name="Title 1">
+            <a:extLst>
+              <a:ext uri="{FF2B5EF4-FFF2-40B4-BE49-F238E27FC236}">
                 <a16:creationId xmlns:a16="http://schemas.microsoft.com/office/drawing/2014/main" id="{2411D8C9-C6CA-9A62-DD8F-DB5A2ECFF3D7}"/>
               </a:ext>
             </a:extLst>
@@ -3331,9 +3872,16 @@
             <p:ph idx="1"/>
           </p:nvPr>
         </p:nvSpPr>
-        <p:spPr/>
-        <p:txBody>
-          <a:bodyPr/>
+        <p:spPr>
+          <a:xfrm>
+            <a:off x="238125" y="1600201"/>
+            <a:ext cx="11725275" cy="4983161"/>
+          </a:xfrm>
+        </p:spPr>
+        <p:txBody>
+          <a:bodyPr>
+            <a:normAutofit lnSpcReduction="10000"/>
+          </a:bodyPr>
           <a:lstStyle/>
           <a:p>
             <a:r>
@@ -3341,7 +3889,22 @@
                 <a:effectLst/>
                 <a:latin typeface="times new roman" panose="02020603050405020304" pitchFamily="18" charset="0"/>
               </a:rPr>
-              <a:t>This week's assignment will be to start to analyze the ideas everyone identified as to what they were interested in further researching and break them into actionable tasks, using their own projects as Kanban GitHub projects.  To make this happen, each group should coordinate with each other in setting up a project in the 'Projects' tab in the spark repository.  I will try to make discussion channels using the chat application we decided on for each project so that you can coordinate things.</a:t>
+              <a:t>When writing a business plan, an important component is a market analysis.  The assignment will be to analyze the competitive forces in play in the ideas we are all working on, and to think of ways of collaborating that would lead to a net gain for all parties involved.  Create a column in your GitHub project's Kanban, called 'Market' and brainstorm tasks related to marketing with your group.  Are there any ways of turning competition into collaboration without risking allegations of collusion?  An example market analysis can be found on my project’s GitHub Kanban, although I don’t expect you to go out and gather customer feedback like I did ( </a:t>
+            </a:r>
+            <a:r>
+              <a:rPr lang="en-US" dirty="0">
+                <a:effectLst/>
+                <a:latin typeface="times new roman" panose="02020603050405020304" pitchFamily="18" charset="0"/>
+                <a:hlinkClick r:id="rId2"/>
+              </a:rPr>
+              <a:t>https://otherrealm.org/competition</a:t>
+            </a:r>
+            <a:r>
+              <a:rPr lang="en-US" dirty="0">
+                <a:effectLst/>
+                <a:latin typeface="times new roman" panose="02020603050405020304" pitchFamily="18" charset="0"/>
+              </a:rPr>
+              <a:t> )</a:t>
             </a:r>
             <a:endParaRPr lang="en-US" dirty="0"/>
           </a:p>

--- a/SparkClass4.pptx
+++ b/SparkClass4.pptx
@@ -3143,12 +3143,8 @@
           <a:lstStyle/>
           <a:p>
             <a:r>
-              <a:rPr lang="en-US"/>
-              <a:t>Aaron </a:t>
-            </a:r>
-            <a:r>
               <a:rPr lang="en-US" dirty="0"/>
-              <a:t>E-J</a:t>
+              <a:t>Aaron E-J</a:t>
             </a:r>
           </a:p>
         </p:txBody>

--- a/SparkClass4.pptx
+++ b/SparkClass4.pptx
@@ -10,7 +10,8 @@
     <p:sldId id="259" r:id="rId4"/>
     <p:sldId id="260" r:id="rId5"/>
     <p:sldId id="261" r:id="rId6"/>
-    <p:sldId id="257" r:id="rId7"/>
+    <p:sldId id="262" r:id="rId7"/>
+    <p:sldId id="257" r:id="rId8"/>
   </p:sldIdLst>
   <p:sldSz cx="12192000" cy="6858000"/>
   <p:notesSz cx="6858000" cy="9144000"/>
@@ -296,7 +297,7 @@
           <a:p>
             <a:fld id="{1F0FA21E-DB45-475D-A17D-32C421068B5C}" type="datetimeFigureOut">
               <a:rPr lang="en-US" smtClean="0"/>
-              <a:t>2023-09-03</a:t>
+              <a:t>2023-09-28</a:t>
             </a:fld>
             <a:endParaRPr lang="en-US"/>
           </a:p>
@@ -464,7 +465,7 @@
           <a:p>
             <a:fld id="{1F0FA21E-DB45-475D-A17D-32C421068B5C}" type="datetimeFigureOut">
               <a:rPr lang="en-US" smtClean="0"/>
-              <a:t>2023-09-03</a:t>
+              <a:t>2023-09-28</a:t>
             </a:fld>
             <a:endParaRPr lang="en-US"/>
           </a:p>
@@ -642,7 +643,7 @@
           <a:p>
             <a:fld id="{1F0FA21E-DB45-475D-A17D-32C421068B5C}" type="datetimeFigureOut">
               <a:rPr lang="en-US" smtClean="0"/>
-              <a:t>2023-09-03</a:t>
+              <a:t>2023-09-28</a:t>
             </a:fld>
             <a:endParaRPr lang="en-US"/>
           </a:p>
@@ -810,7 +811,7 @@
           <a:p>
             <a:fld id="{1F0FA21E-DB45-475D-A17D-32C421068B5C}" type="datetimeFigureOut">
               <a:rPr lang="en-US" smtClean="0"/>
-              <a:t>2023-09-03</a:t>
+              <a:t>2023-09-28</a:t>
             </a:fld>
             <a:endParaRPr lang="en-US"/>
           </a:p>
@@ -1055,7 +1056,7 @@
           <a:p>
             <a:fld id="{1F0FA21E-DB45-475D-A17D-32C421068B5C}" type="datetimeFigureOut">
               <a:rPr lang="en-US" smtClean="0"/>
-              <a:t>2023-09-03</a:t>
+              <a:t>2023-09-28</a:t>
             </a:fld>
             <a:endParaRPr lang="en-US"/>
           </a:p>
@@ -1340,7 +1341,7 @@
           <a:p>
             <a:fld id="{1F0FA21E-DB45-475D-A17D-32C421068B5C}" type="datetimeFigureOut">
               <a:rPr lang="en-US" smtClean="0"/>
-              <a:t>2023-09-03</a:t>
+              <a:t>2023-09-28</a:t>
             </a:fld>
             <a:endParaRPr lang="en-US"/>
           </a:p>
@@ -1759,7 +1760,7 @@
           <a:p>
             <a:fld id="{1F0FA21E-DB45-475D-A17D-32C421068B5C}" type="datetimeFigureOut">
               <a:rPr lang="en-US" smtClean="0"/>
-              <a:t>2023-09-03</a:t>
+              <a:t>2023-09-28</a:t>
             </a:fld>
             <a:endParaRPr lang="en-US"/>
           </a:p>
@@ -1876,7 +1877,7 @@
           <a:p>
             <a:fld id="{1F0FA21E-DB45-475D-A17D-32C421068B5C}" type="datetimeFigureOut">
               <a:rPr lang="en-US" smtClean="0"/>
-              <a:t>2023-09-03</a:t>
+              <a:t>2023-09-28</a:t>
             </a:fld>
             <a:endParaRPr lang="en-US"/>
           </a:p>
@@ -1971,7 +1972,7 @@
           <a:p>
             <a:fld id="{1F0FA21E-DB45-475D-A17D-32C421068B5C}" type="datetimeFigureOut">
               <a:rPr lang="en-US" smtClean="0"/>
-              <a:t>2023-09-03</a:t>
+              <a:t>2023-09-28</a:t>
             </a:fld>
             <a:endParaRPr lang="en-US"/>
           </a:p>
@@ -2246,7 +2247,7 @@
           <a:p>
             <a:fld id="{1F0FA21E-DB45-475D-A17D-32C421068B5C}" type="datetimeFigureOut">
               <a:rPr lang="en-US" smtClean="0"/>
-              <a:t>2023-09-03</a:t>
+              <a:t>2023-09-28</a:t>
             </a:fld>
             <a:endParaRPr lang="en-US"/>
           </a:p>
@@ -2501,7 +2502,7 @@
           <a:p>
             <a:fld id="{1F0FA21E-DB45-475D-A17D-32C421068B5C}" type="datetimeFigureOut">
               <a:rPr lang="en-US" smtClean="0"/>
-              <a:t>2023-09-03</a:t>
+              <a:t>2023-09-28</a:t>
             </a:fld>
             <a:endParaRPr lang="en-US"/>
           </a:p>
@@ -2712,7 +2713,7 @@
           <a:p>
             <a:fld id="{1F0FA21E-DB45-475D-A17D-32C421068B5C}" type="datetimeFigureOut">
               <a:rPr lang="en-US" smtClean="0"/>
-              <a:t>2023-09-03</a:t>
+              <a:t>2023-09-28</a:t>
             </a:fld>
             <a:endParaRPr lang="en-US"/>
           </a:p>
@@ -3599,7 +3600,7 @@
             </a:pPr>
             <a:r>
               <a:rPr lang="en-US" dirty="0"/>
-              <a:t>There are a group of students who have been holding been running informal Role Playing Game nights and it seems to have caught people’s interest.  The group has decided it wants to establish a student group so it can find further funding. However, there is disagreement as to how formal leadership of the group should be set up.  The original group of people want to be the group leaders that makes decisions and then everyone else just be members.  Some newcomers want the group to be more informal and run by the consensus of everyone involved.</a:t>
+              <a:t>There are a group of students who have been holding been running informal Role-Playing Game nights and it seems to have caught people’s interest.  The group has decided it wants to establish a student group so it can find further funding. However, there is disagreement as to how formal leadership of the group should be set up.  The original group of people want to be the group leaders that makes decisions and then everyone else just be members.  Some newcomers want the group to be more informal and run by the consensus of everyone involved.</a:t>
             </a:r>
           </a:p>
         </p:txBody>
@@ -3743,7 +3744,10 @@
             <a:pPr marL="0" indent="0" algn="ctr">
               <a:buNone/>
             </a:pPr>
-            <a:endParaRPr lang="en-US" dirty="0"/>
+            <a:r>
+              <a:rPr lang="en-US" dirty="0"/>
+              <a:t>You are working on a startup to rent e-bikes, but you have just heard that the town has been in talks with an existing e-bike rental service that already has all the resources and could derail your idea.  What do you do?</a:t>
+            </a:r>
           </a:p>
         </p:txBody>
       </p:sp>
@@ -3761,8 +3765,8 @@
         </p:nvSpPr>
         <p:spPr>
           <a:xfrm>
-            <a:off x="676375" y="5695949"/>
-            <a:ext cx="10839250" cy="769441"/>
+            <a:off x="444454" y="5695949"/>
+            <a:ext cx="11303094" cy="769441"/>
           </a:xfrm>
           <a:prstGeom prst="rect">
             <a:avLst/>
@@ -3789,7 +3793,7 @@
                   <a:srgbClr val="990033"/>
                 </a:solidFill>
               </a:rPr>
-              <a:t>Discuss what you think the group should do </a:t>
+              <a:t>Discuss what you think the startup should do </a:t>
             </a:r>
           </a:p>
         </p:txBody>
@@ -3808,6 +3812,163 @@
 </file>
 
 <file path=ppt/slides/slide6.xml><?xml version="1.0" encoding="utf-8"?>
+<p:sld xmlns:a="http://schemas.openxmlformats.org/drawingml/2006/main" xmlns:r="http://schemas.openxmlformats.org/officeDocument/2006/relationships" xmlns:p="http://schemas.openxmlformats.org/presentationml/2006/main">
+  <p:cSld>
+    <p:spTree>
+      <p:nvGrpSpPr>
+        <p:cNvPr id="1" name=""/>
+        <p:cNvGrpSpPr/>
+        <p:nvPr/>
+      </p:nvGrpSpPr>
+      <p:grpSpPr>
+        <a:xfrm>
+          <a:off x="0" y="0"/>
+          <a:ext cx="0" cy="0"/>
+          <a:chOff x="0" y="0"/>
+          <a:chExt cx="0" cy="0"/>
+        </a:xfrm>
+      </p:grpSpPr>
+      <p:sp>
+        <p:nvSpPr>
+          <p:cNvPr id="2" name="Title 1">
+            <a:extLst>
+              <a:ext uri="{FF2B5EF4-FFF2-40B4-BE49-F238E27FC236}">
+                <a16:creationId xmlns:a16="http://schemas.microsoft.com/office/drawing/2014/main" id="{7447E689-A8B1-78F0-4756-B0ED0E73E57B}"/>
+              </a:ext>
+            </a:extLst>
+          </p:cNvPr>
+          <p:cNvSpPr>
+            <a:spLocks noGrp="1"/>
+          </p:cNvSpPr>
+          <p:nvPr>
+            <p:ph type="title"/>
+          </p:nvPr>
+        </p:nvSpPr>
+        <p:spPr>
+          <a:xfrm>
+            <a:off x="609600" y="9708"/>
+            <a:ext cx="10972800" cy="963616"/>
+          </a:xfrm>
+        </p:spPr>
+        <p:txBody>
+          <a:bodyPr/>
+          <a:lstStyle/>
+          <a:p>
+            <a:r>
+              <a:rPr lang="en-US" b="1" dirty="0"/>
+              <a:t>Scenario 3</a:t>
+            </a:r>
+          </a:p>
+        </p:txBody>
+      </p:sp>
+      <p:sp>
+        <p:nvSpPr>
+          <p:cNvPr id="3" name="Content Placeholder 2">
+            <a:extLst>
+              <a:ext uri="{FF2B5EF4-FFF2-40B4-BE49-F238E27FC236}">
+                <a16:creationId xmlns:a16="http://schemas.microsoft.com/office/drawing/2014/main" id="{1ECC8878-143F-74C5-522B-63099BE07E15}"/>
+              </a:ext>
+            </a:extLst>
+          </p:cNvPr>
+          <p:cNvSpPr>
+            <a:spLocks noGrp="1"/>
+          </p:cNvSpPr>
+          <p:nvPr>
+            <p:ph idx="1"/>
+          </p:nvPr>
+        </p:nvSpPr>
+        <p:spPr>
+          <a:xfrm>
+            <a:off x="609600" y="951043"/>
+            <a:ext cx="10972800" cy="4525963"/>
+          </a:xfrm>
+        </p:spPr>
+        <p:txBody>
+          <a:bodyPr/>
+          <a:lstStyle/>
+          <a:p>
+            <a:pPr marL="0" indent="0" algn="ctr">
+              <a:buNone/>
+            </a:pPr>
+            <a:r>
+              <a:rPr lang="en-US" dirty="0"/>
+              <a:t>There are a group of students who are fed up with needing to be subjected to ridicule because they got bad grades on a test that they spent a lot of time preparing for.  They feel like the teachers are trying to base the grading policy on a bell curve instead of actually making sure that all the students learn the content.  The students want to be able to know the specific information that will be on the test and to be able to retake it until they pass.  The Professor feels like that would be missing the point of studying and thinks that retaking things would be impractical.</a:t>
+            </a:r>
+          </a:p>
+        </p:txBody>
+      </p:sp>
+      <p:sp>
+        <p:nvSpPr>
+          <p:cNvPr id="4" name="TextBox 3">
+            <a:extLst>
+              <a:ext uri="{FF2B5EF4-FFF2-40B4-BE49-F238E27FC236}">
+                <a16:creationId xmlns:a16="http://schemas.microsoft.com/office/drawing/2014/main" id="{B3267852-8885-6D00-F3FE-5F3F06EA5F00}"/>
+              </a:ext>
+            </a:extLst>
+          </p:cNvPr>
+          <p:cNvSpPr txBox="1"/>
+          <p:nvPr/>
+        </p:nvSpPr>
+        <p:spPr>
+          <a:xfrm>
+            <a:off x="2026905" y="5477006"/>
+            <a:ext cx="8138190" cy="1446550"/>
+          </a:xfrm>
+          <a:prstGeom prst="rect">
+            <a:avLst/>
+          </a:prstGeom>
+          <a:noFill/>
+          <a:effectLst>
+            <a:outerShdw blurRad="50800" dist="38100" dir="2700000" algn="tl" rotWithShape="0">
+              <a:prstClr val="black">
+                <a:alpha val="40000"/>
+              </a:prstClr>
+            </a:outerShdw>
+          </a:effectLst>
+        </p:spPr>
+        <p:txBody>
+          <a:bodyPr wrap="none" rtlCol="0">
+            <a:spAutoFit/>
+          </a:bodyPr>
+          <a:lstStyle/>
+          <a:p>
+            <a:pPr algn="ctr"/>
+            <a:r>
+              <a:rPr lang="en-US" sz="4400" b="1" dirty="0">
+                <a:solidFill>
+                  <a:srgbClr val="990033"/>
+                </a:solidFill>
+              </a:rPr>
+              <a:t>Discuss what you think professor</a:t>
+            </a:r>
+          </a:p>
+          <a:p>
+            <a:pPr algn="ctr"/>
+            <a:r>
+              <a:rPr lang="en-US" sz="4400" b="1" dirty="0">
+                <a:solidFill>
+                  <a:srgbClr val="990033"/>
+                </a:solidFill>
+              </a:rPr>
+              <a:t>and students should do</a:t>
+            </a:r>
+          </a:p>
+        </p:txBody>
+      </p:sp>
+    </p:spTree>
+    <p:extLst>
+      <p:ext uri="{BB962C8B-B14F-4D97-AF65-F5344CB8AC3E}">
+        <p14:creationId xmlns:p14="http://schemas.microsoft.com/office/powerpoint/2010/main" val="934548140"/>
+      </p:ext>
+    </p:extLst>
+  </p:cSld>
+  <p:clrMapOvr>
+    <a:masterClrMapping/>
+  </p:clrMapOvr>
+</p:sld>
+</file>
+
+<file path=ppt/slides/slide7.xml><?xml version="1.0" encoding="utf-8"?>
 <p:sld xmlns:a="http://schemas.openxmlformats.org/drawingml/2006/main" xmlns:r="http://schemas.openxmlformats.org/officeDocument/2006/relationships" xmlns:p="http://schemas.openxmlformats.org/presentationml/2006/main">
   <p:cSld>
     <p:spTree>

--- a/SparkClass4.pptx
+++ b/SparkClass4.pptx
@@ -3746,7 +3746,15 @@
             </a:pPr>
             <a:r>
               <a:rPr lang="en-US" dirty="0"/>
-              <a:t>You are working on a startup to rent e-bikes, but you have just heard that the town has been in talks with an existing e-bike rental service that already has all the resources and could derail your idea.  What do you do?</a:t>
+              <a:t>You are working on a startup to rent e-bikes, but you have just heard that the town has been in talks with an existing e-bike rental service that already has all the resources and could derail your idea.  Also, the administration is thinking of </a:t>
+            </a:r>
+            <a:r>
+              <a:rPr lang="en-US"/>
+              <a:t>banning e-bikes </a:t>
+            </a:r>
+            <a:r>
+              <a:rPr lang="en-US" dirty="0"/>
+              <a:t>on account of several crashes between walking and riding students.  What do you do?</a:t>
             </a:r>
           </a:p>
         </p:txBody>

--- a/SparkClass4.pptx
+++ b/SparkClass4.pptx
@@ -3600,8 +3600,31 @@
             </a:pPr>
             <a:r>
               <a:rPr lang="en-US" dirty="0"/>
-              <a:t>There are a group of students who have been holding been running informal Role-Playing Game nights and it seems to have caught people’s interest.  The group has decided it wants to establish a student group so it can find further funding. However, there is disagreement as to how formal leadership of the group should be set up.  The original group of people want to be the group leaders that makes decisions and then everyone else just be members.  Some newcomers want the group to be more informal and run by the consensus of everyone involved.</a:t>
-            </a:r>
+              <a:t>There is a lot of debate on campus about whether to start a new nuclear power plant on campus that will cost millions.  Opposition to the project cite the fact that this will cost millions that could be spent on cheaper forms of renewable energy and safety concerns.  Advocates make the case that money spent on innovation leads to manyfold return on investment.  </a:t>
+            </a:r>
+          </a:p>
+          <a:p>
+            <a:pPr marL="0" indent="0" algn="ctr">
+              <a:buNone/>
+            </a:pPr>
+            <a:r>
+              <a:rPr lang="en-US" dirty="0"/>
+              <a:t>Do you think this is a good use of money?</a:t>
+            </a:r>
+          </a:p>
+          <a:p>
+            <a:pPr marL="0" indent="0" algn="ctr">
+              <a:buNone/>
+            </a:pPr>
+            <a:r>
+              <a:rPr lang="en-US" dirty="0"/>
+              <a:t>Do you think there are other options that could be </a:t>
+            </a:r>
+            <a:r>
+              <a:rPr lang="en-US"/>
+              <a:t>a compromise?</a:t>
+            </a:r>
+            <a:endParaRPr lang="en-US" dirty="0"/>
           </a:p>
         </p:txBody>
       </p:sp>
@@ -3619,8 +3642,8 @@
         </p:nvSpPr>
         <p:spPr>
           <a:xfrm>
-            <a:off x="676375" y="5695949"/>
-            <a:ext cx="10839250" cy="769441"/>
+            <a:off x="578305" y="5695949"/>
+            <a:ext cx="11035393" cy="769441"/>
           </a:xfrm>
           <a:prstGeom prst="rect">
             <a:avLst/>
@@ -3647,7 +3670,7 @@
                   <a:srgbClr val="990033"/>
                 </a:solidFill>
               </a:rPr>
-              <a:t>Discuss what you think the group should do </a:t>
+              <a:t>Discuss what you think the college should do </a:t>
             </a:r>
           </a:p>
         </p:txBody>
@@ -3746,15 +3769,7 @@
             </a:pPr>
             <a:r>
               <a:rPr lang="en-US" dirty="0"/>
-              <a:t>You are working on a startup to rent e-bikes, but you have just heard that the town has been in talks with an existing e-bike rental service that already has all the resources and could derail your idea.  Also, the administration is thinking of </a:t>
-            </a:r>
-            <a:r>
-              <a:rPr lang="en-US"/>
-              <a:t>banning e-bikes </a:t>
-            </a:r>
-            <a:r>
-              <a:rPr lang="en-US" dirty="0"/>
-              <a:t>on account of several crashes between walking and riding students.  What do you do?</a:t>
+              <a:t>You are working on a startup to rent e-bikes, but you have just heard that the town has been in talks with an existing e-bike rental service that already has all the resources and could derail your idea.  Also, the administration is thinking of banning e-bikes on account of several crashes between walking and riding students.  What do you do?</a:t>
             </a:r>
           </a:p>
         </p:txBody>
